--- a/compatlib_functions/mfuller_UDX_group_generator.pptx
+++ b/compatlib_functions/mfuller_UDX_group_generator.pptx
@@ -5,15 +5,16 @@
     <p:sldMasterId id="2147483706" r:id="rId1"/>
   </p:sldMasterIdLst>
   <p:notesMasterIdLst>
-    <p:notesMasterId r:id="rId5"/>
+    <p:notesMasterId r:id="rId6"/>
   </p:notesMasterIdLst>
   <p:handoutMasterIdLst>
-    <p:handoutMasterId r:id="rId6"/>
+    <p:handoutMasterId r:id="rId7"/>
   </p:handoutMasterIdLst>
   <p:sldIdLst>
     <p:sldId id="456" r:id="rId2"/>
     <p:sldId id="457" r:id="rId3"/>
     <p:sldId id="458" r:id="rId4"/>
+    <p:sldId id="459" r:id="rId5"/>
   </p:sldIdLst>
   <p:sldSz cx="9144000" cy="6858000" type="screen4x3"/>
   <p:notesSz cx="7010400" cy="9296400"/>
@@ -3056,11 +3057,35 @@
             </a:r>
             <a:r>
               <a:rPr lang="en-US" sz="1600" dirty="0" smtClean="0"/>
-              <a:t>These queries are popular analytical queries</a:t>
+              <a:t>These queries are popular analytical </a:t>
             </a:r>
             <a:r>
               <a:rPr lang="en-US" sz="1600" dirty="0" smtClean="0"/>
-              <a:t>.</a:t>
+              <a:t>queries</a:t>
+            </a:r>
+            <a:r>
+              <a:rPr lang="en-US" sz="1600" dirty="0" smtClean="0"/>
+              <a:t> </a:t>
+            </a:r>
+            <a:r>
+              <a:rPr lang="en-US" sz="1600" dirty="0" smtClean="0"/>
+              <a:t>and have been </a:t>
+            </a:r>
+            <a:r>
+              <a:rPr lang="en-US" sz="1600" b="1" dirty="0" smtClean="0"/>
+              <a:t>requested </a:t>
+            </a:r>
+            <a:r>
+              <a:rPr lang="en-US" sz="1600" dirty="0" smtClean="0"/>
+              <a:t>by </a:t>
+            </a:r>
+            <a:r>
+              <a:rPr lang="en-US" sz="1600" b="1" dirty="0" smtClean="0"/>
+              <a:t>many</a:t>
+            </a:r>
+            <a:r>
+              <a:rPr lang="en-US" sz="1600" dirty="0" smtClean="0"/>
+              <a:t> customers. </a:t>
             </a:r>
           </a:p>
           <a:p>
@@ -3081,13 +3106,21 @@
           <a:p>
             <a:r>
               <a:rPr lang="en-US" sz="1600" dirty="0" smtClean="0"/>
-              <a:t>For the UDX competition, I created a GROUP_GENERATOR UDX which given an input row, will create an output row for each grouping set we wish to create. These rows are used as input to a GROUP BY to generate results of ROLLUP, CUBE, etc. efficiently.</a:t>
+              <a:t>For the UDX competition, I created a GROUP_GENERATOR UDX  in which given an input row, it will create an output row for each grouping set we wish to create. These rows are used as input to a GROUP BY to generate results of ROLLUP, CUBE, etc. efficiently.</a:t>
             </a:r>
           </a:p>
           <a:p>
             <a:r>
               <a:rPr lang="en-US" sz="1600" dirty="0" smtClean="0"/>
-              <a:t>Additionally, the GROUP_GENERATOR can be used to compute queries with multiple distinct aggregates (MDAs). This is important because the current implementation of MDAs forces us into </a:t>
+              <a:t>Additionally, the GROUP_GENERATOR can be used to compute queries with multiple distinct aggregates (MDAs). This is </a:t>
+            </a:r>
+            <a:r>
+              <a:rPr lang="en-US" sz="1600" b="1" dirty="0" smtClean="0"/>
+              <a:t>important</a:t>
+            </a:r>
+            <a:r>
+              <a:rPr lang="en-US" sz="1600" dirty="0" smtClean="0"/>
+              <a:t> because the current implementation of MDAs forces us into </a:t>
             </a:r>
             <a:r>
               <a:rPr lang="en-US" sz="1600" dirty="0" err="1" smtClean="0"/>
@@ -3095,66 +3128,27 @@
             </a:r>
             <a:r>
               <a:rPr lang="en-US" sz="1600" dirty="0" smtClean="0"/>
-              <a:t> OLD Execution Engine which is not nearly as good as the New Execution Engine. By using the GROUP_GENERATOR to compute MDAs, we stay in the New Execution Engine.</a:t>
+              <a:t> </a:t>
+            </a:r>
+            <a:r>
+              <a:rPr lang="en-US" sz="1600" b="1" i="1" dirty="0" smtClean="0"/>
+              <a:t>OLD Execution Engine </a:t>
+            </a:r>
+            <a:r>
+              <a:rPr lang="en-US" sz="1600" dirty="0" smtClean="0"/>
+              <a:t>which is not nearly as good as the </a:t>
+            </a:r>
+            <a:r>
+              <a:rPr lang="en-US" sz="1600" b="1" i="1" dirty="0" smtClean="0"/>
+              <a:t>New Execution Engine</a:t>
+            </a:r>
+            <a:r>
+              <a:rPr lang="en-US" sz="1600" dirty="0" smtClean="0"/>
+              <a:t>. By using the GROUP_GENERATOR to compute MDAs, we stay in the New Execution Engine.</a:t>
             </a:r>
             <a:br>
               <a:rPr lang="en-US" sz="1600" dirty="0" smtClean="0"/>
             </a:br>
-            <a:r>
-              <a:rPr lang="en-US" sz="1600" dirty="0" smtClean="0"/>
-              <a:t>(Note: This is a good stop-gap measure until </a:t>
-            </a:r>
-            <a:r>
-              <a:rPr lang="en-US" sz="1600" dirty="0" err="1" smtClean="0"/>
-              <a:t>BunkerHill</a:t>
-            </a:r>
-            <a:r>
-              <a:rPr lang="en-US" sz="1600" dirty="0" smtClean="0"/>
-              <a:t>. </a:t>
-            </a:r>
-            <a:r>
-              <a:rPr lang="en-US" sz="1600" dirty="0" err="1" smtClean="0"/>
-              <a:t>BunkerHill</a:t>
-            </a:r>
-            <a:r>
-              <a:rPr lang="en-US" sz="1600" dirty="0" smtClean="0"/>
-              <a:t> has implementation to run MDAs in the New Execution Engine.)</a:t>
-            </a:r>
-          </a:p>
-          <a:p>
-            <a:r>
-              <a:rPr lang="en-US" sz="1400" dirty="0" smtClean="0"/>
-              <a:t>See Examples in: </a:t>
-            </a:r>
-            <a:r>
-              <a:rPr lang="en-US" sz="1400" dirty="0" err="1" smtClean="0"/>
-              <a:t>Vertica</a:t>
-            </a:r>
-            <a:r>
-              <a:rPr lang="en-US" sz="1400" dirty="0" smtClean="0"/>
-              <a:t>-Extension-Packages/</a:t>
-            </a:r>
-            <a:r>
-              <a:rPr lang="en-US" sz="1400" dirty="0" err="1" smtClean="0"/>
-              <a:t>compatlib</a:t>
-            </a:r>
-            <a:r>
-              <a:rPr lang="en-US" sz="1400" dirty="0" smtClean="0"/>
-              <a:t>-functions/examples/group_generator.sql</a:t>
-            </a:r>
-            <a:r>
-              <a:rPr lang="en-US" sz="1600" dirty="0" smtClean="0"/>
-              <a:t/>
-            </a:r>
-            <a:br>
-              <a:rPr lang="en-US" sz="1600" dirty="0" smtClean="0"/>
-            </a:br>
-            <a:endParaRPr lang="en-US" sz="1600" dirty="0" smtClean="0"/>
-          </a:p>
-          <a:p>
-            <a:pPr>
-              <a:buNone/>
-            </a:pPr>
             <a:endParaRPr lang="en-US" sz="1600" dirty="0" smtClean="0"/>
           </a:p>
           <a:p>
@@ -3215,7 +3209,7 @@
         </p:nvSpPr>
         <p:spPr>
           <a:xfrm>
-            <a:off x="1272988" y="1963267"/>
+            <a:off x="1237130" y="2034986"/>
             <a:ext cx="5576047" cy="1938992"/>
           </a:xfrm>
           <a:prstGeom prst="rect">
@@ -3416,6 +3410,1520 @@
               <a:t>)</a:t>
             </a:r>
             <a:endParaRPr lang="en-US" sz="1000" dirty="0" smtClean="0"/>
+          </a:p>
+        </p:txBody>
+      </p:sp>
+    </p:spTree>
+  </p:cSld>
+  <p:clrMapOvr>
+    <a:masterClrMapping/>
+  </p:clrMapOvr>
+  <p:transition>
+    <p:wipe dir="r"/>
+  </p:transition>
+</p:sld>
+</file>
+
+<file path=ppt/slides/slide4.xml><?xml version="1.0" encoding="utf-8"?>
+<p:sld xmlns:a="http://schemas.openxmlformats.org/drawingml/2006/main" xmlns:r="http://schemas.openxmlformats.org/officeDocument/2006/relationships" xmlns:p="http://schemas.openxmlformats.org/presentationml/2006/main">
+  <p:cSld>
+    <p:spTree>
+      <p:nvGrpSpPr>
+        <p:cNvPr id="1" name=""/>
+        <p:cNvGrpSpPr/>
+        <p:nvPr/>
+      </p:nvGrpSpPr>
+      <p:grpSpPr>
+        <a:xfrm>
+          <a:off x="0" y="0"/>
+          <a:ext cx="0" cy="0"/>
+          <a:chOff x="0" y="0"/>
+          <a:chExt cx="0" cy="0"/>
+        </a:xfrm>
+      </p:grpSpPr>
+      <p:sp>
+        <p:nvSpPr>
+          <p:cNvPr id="2" name="Title 1"/>
+          <p:cNvSpPr>
+            <a:spLocks noGrp="1"/>
+          </p:cNvSpPr>
+          <p:nvPr>
+            <p:ph type="title"/>
+          </p:nvPr>
+        </p:nvSpPr>
+        <p:spPr/>
+        <p:txBody>
+          <a:bodyPr/>
+          <a:lstStyle/>
+          <a:p>
+            <a:r>
+              <a:rPr lang="en-US" dirty="0" smtClean="0"/>
+              <a:t>CUBE, ROLLUP, GROUPING_SETS</a:t>
+            </a:r>
+            <a:endParaRPr lang="en-US" dirty="0"/>
+          </a:p>
+        </p:txBody>
+      </p:sp>
+      <p:sp>
+        <p:nvSpPr>
+          <p:cNvPr id="4" name="Rectangle 3"/>
+          <p:cNvSpPr/>
+          <p:nvPr/>
+        </p:nvSpPr>
+        <p:spPr bwMode="auto">
+          <a:xfrm>
+            <a:off x="3370734" y="1891552"/>
+            <a:ext cx="1452281" cy="1057836"/>
+          </a:xfrm>
+          <a:prstGeom prst="rect">
+            <a:avLst/>
+          </a:prstGeom>
+          <a:solidFill>
+            <a:schemeClr val="accent1"/>
+          </a:solidFill>
+          <a:ln w="9525" cap="flat" cmpd="sng" algn="ctr">
+            <a:solidFill>
+              <a:schemeClr val="tx1"/>
+            </a:solidFill>
+            <a:prstDash val="solid"/>
+            <a:round/>
+            <a:headEnd type="none" w="med" len="med"/>
+            <a:tailEnd type="none" w="med" len="med"/>
+          </a:ln>
+          <a:effectLst/>
+        </p:spPr>
+        <p:txBody>
+          <a:bodyPr vert="horz" wrap="square" lIns="91440" tIns="45720" rIns="91440" bIns="45720" numCol="1" rtlCol="0" anchor="t" anchorCtr="0" compatLnSpc="1">
+            <a:prstTxWarp prst="textNoShape">
+              <a:avLst/>
+            </a:prstTxWarp>
+          </a:bodyPr>
+          <a:lstStyle/>
+          <a:p>
+            <a:pPr marL="0" marR="0" indent="0" algn="ctr" defTabSz="914400" rtl="0" eaLnBrk="0" fontAlgn="base" latinLnBrk="0" hangingPunct="0">
+              <a:lnSpc>
+                <a:spcPct val="100000"/>
+              </a:lnSpc>
+              <a:spcBef>
+                <a:spcPct val="0"/>
+              </a:spcBef>
+              <a:spcAft>
+                <a:spcPct val="0"/>
+              </a:spcAft>
+              <a:buClrTx/>
+              <a:buSzTx/>
+              <a:buFontTx/>
+              <a:buNone/>
+              <a:tabLst/>
+            </a:pPr>
+            <a:r>
+              <a:rPr kumimoji="0" lang="en-US" sz="1200" b="0" i="0" u="none" strike="noStrike" cap="none" normalizeH="0" baseline="0" dirty="0" smtClean="0">
+                <a:ln>
+                  <a:noFill/>
+                </a:ln>
+                <a:solidFill>
+                  <a:schemeClr val="bg1"/>
+                </a:solidFill>
+                <a:effectLst/>
+                <a:latin typeface="Arial" pitchFamily="-106" charset="0"/>
+                <a:ea typeface="ＭＳ Ｐゴシック" pitchFamily="-106" charset="-128"/>
+                <a:cs typeface="ＭＳ Ｐゴシック" pitchFamily="-106" charset="-128"/>
+              </a:rPr>
+              <a:t>UDX</a:t>
+            </a:r>
+          </a:p>
+          <a:p>
+            <a:pPr marL="0" marR="0" indent="0" algn="ctr" defTabSz="914400" rtl="0" eaLnBrk="0" fontAlgn="base" latinLnBrk="0" hangingPunct="0">
+              <a:lnSpc>
+                <a:spcPct val="100000"/>
+              </a:lnSpc>
+              <a:spcBef>
+                <a:spcPct val="0"/>
+              </a:spcBef>
+              <a:spcAft>
+                <a:spcPct val="0"/>
+              </a:spcAft>
+              <a:buClrTx/>
+              <a:buSzTx/>
+              <a:buFontTx/>
+              <a:buNone/>
+              <a:tabLst/>
+            </a:pPr>
+            <a:endParaRPr lang="en-US" sz="1200" dirty="0" smtClean="0">
+              <a:solidFill>
+                <a:schemeClr val="bg1"/>
+              </a:solidFill>
+              <a:latin typeface="Arial" pitchFamily="-106" charset="0"/>
+              <a:ea typeface="ＭＳ Ｐゴシック" pitchFamily="-106" charset="-128"/>
+              <a:cs typeface="ＭＳ Ｐゴシック" pitchFamily="-106" charset="-128"/>
+            </a:endParaRPr>
+          </a:p>
+          <a:p>
+            <a:pPr marL="0" marR="0" indent="0" algn="ctr" defTabSz="914400" rtl="0" eaLnBrk="0" fontAlgn="base" latinLnBrk="0" hangingPunct="0">
+              <a:lnSpc>
+                <a:spcPct val="100000"/>
+              </a:lnSpc>
+              <a:spcBef>
+                <a:spcPct val="0"/>
+              </a:spcBef>
+              <a:spcAft>
+                <a:spcPct val="0"/>
+              </a:spcAft>
+              <a:buClrTx/>
+              <a:buSzTx/>
+              <a:buFontTx/>
+              <a:buNone/>
+              <a:tabLst/>
+            </a:pPr>
+            <a:r>
+              <a:rPr lang="en-US" sz="1200" dirty="0" smtClean="0">
+                <a:solidFill>
+                  <a:schemeClr val="bg1"/>
+                </a:solidFill>
+                <a:latin typeface="Arial" pitchFamily="-106" charset="0"/>
+                <a:ea typeface="ＭＳ Ｐゴシック" pitchFamily="-106" charset="-128"/>
+                <a:cs typeface="ＭＳ Ｐゴシック" pitchFamily="-106" charset="-128"/>
+              </a:rPr>
+              <a:t>Group Generator</a:t>
+            </a:r>
+          </a:p>
+          <a:p>
+            <a:pPr marL="0" marR="0" indent="0" algn="ctr" defTabSz="914400" rtl="0" eaLnBrk="0" fontAlgn="base" latinLnBrk="0" hangingPunct="0">
+              <a:lnSpc>
+                <a:spcPct val="100000"/>
+              </a:lnSpc>
+              <a:spcBef>
+                <a:spcPct val="0"/>
+              </a:spcBef>
+              <a:spcAft>
+                <a:spcPct val="0"/>
+              </a:spcAft>
+              <a:buClrTx/>
+              <a:buSzTx/>
+              <a:buFontTx/>
+              <a:buNone/>
+              <a:tabLst/>
+            </a:pPr>
+            <a:endParaRPr kumimoji="0" lang="en-US" sz="1200" b="0" i="0" u="none" strike="noStrike" cap="none" normalizeH="0" baseline="0" dirty="0" smtClean="0">
+              <a:ln>
+                <a:noFill/>
+              </a:ln>
+              <a:solidFill>
+                <a:schemeClr val="bg1"/>
+              </a:solidFill>
+              <a:effectLst/>
+              <a:latin typeface="Arial" pitchFamily="-106" charset="0"/>
+              <a:ea typeface="ＭＳ Ｐゴシック" pitchFamily="-106" charset="-128"/>
+              <a:cs typeface="ＭＳ Ｐゴシック" pitchFamily="-106" charset="-128"/>
+            </a:endParaRPr>
+          </a:p>
+          <a:p>
+            <a:pPr marL="0" marR="0" indent="0" algn="ctr" defTabSz="914400" rtl="0" eaLnBrk="0" fontAlgn="base" latinLnBrk="0" hangingPunct="0">
+              <a:lnSpc>
+                <a:spcPct val="100000"/>
+              </a:lnSpc>
+              <a:spcBef>
+                <a:spcPct val="0"/>
+              </a:spcBef>
+              <a:spcAft>
+                <a:spcPct val="0"/>
+              </a:spcAft>
+              <a:buClrTx/>
+              <a:buSzTx/>
+              <a:buFontTx/>
+              <a:buNone/>
+              <a:tabLst/>
+            </a:pPr>
+            <a:r>
+              <a:rPr lang="en-US" sz="1200" dirty="0" smtClean="0">
+                <a:solidFill>
+                  <a:schemeClr val="bg1"/>
+                </a:solidFill>
+                <a:latin typeface="Arial" pitchFamily="-106" charset="0"/>
+                <a:ea typeface="ＭＳ Ｐゴシック" pitchFamily="-106" charset="-128"/>
+                <a:cs typeface="ＭＳ Ｐゴシック" pitchFamily="-106" charset="-128"/>
+              </a:rPr>
+              <a:t>ROLLUP</a:t>
+            </a:r>
+            <a:endParaRPr kumimoji="0" lang="en-US" sz="1200" b="0" i="0" u="none" strike="noStrike" cap="none" normalizeH="0" baseline="0" dirty="0" smtClean="0">
+              <a:ln>
+                <a:noFill/>
+              </a:ln>
+              <a:solidFill>
+                <a:schemeClr val="bg1"/>
+              </a:solidFill>
+              <a:effectLst/>
+              <a:latin typeface="Arial" pitchFamily="-106" charset="0"/>
+              <a:ea typeface="ＭＳ Ｐゴシック" pitchFamily="-106" charset="-128"/>
+              <a:cs typeface="ＭＳ Ｐゴシック" pitchFamily="-106" charset="-128"/>
+            </a:endParaRPr>
+          </a:p>
+        </p:txBody>
+      </p:sp>
+      <p:sp>
+        <p:nvSpPr>
+          <p:cNvPr id="5" name="Rectangle 4"/>
+          <p:cNvSpPr/>
+          <p:nvPr/>
+        </p:nvSpPr>
+        <p:spPr bwMode="auto">
+          <a:xfrm>
+            <a:off x="4563036" y="4894727"/>
+            <a:ext cx="1461247" cy="1057836"/>
+          </a:xfrm>
+          <a:prstGeom prst="rect">
+            <a:avLst/>
+          </a:prstGeom>
+          <a:solidFill>
+            <a:schemeClr val="accent1"/>
+          </a:solidFill>
+          <a:ln w="9525" cap="flat" cmpd="sng" algn="ctr">
+            <a:solidFill>
+              <a:schemeClr val="tx1"/>
+            </a:solidFill>
+            <a:prstDash val="solid"/>
+            <a:round/>
+            <a:headEnd type="none" w="med" len="med"/>
+            <a:tailEnd type="none" w="med" len="med"/>
+          </a:ln>
+          <a:effectLst/>
+        </p:spPr>
+        <p:txBody>
+          <a:bodyPr vert="horz" wrap="square" lIns="91440" tIns="45720" rIns="91440" bIns="45720" numCol="1" rtlCol="0" anchor="t" anchorCtr="0" compatLnSpc="1">
+            <a:prstTxWarp prst="textNoShape">
+              <a:avLst/>
+            </a:prstTxWarp>
+          </a:bodyPr>
+          <a:lstStyle/>
+          <a:p>
+            <a:pPr marL="0" marR="0" indent="0" algn="ctr" defTabSz="914400" rtl="0" eaLnBrk="0" fontAlgn="base" latinLnBrk="0" hangingPunct="0">
+              <a:lnSpc>
+                <a:spcPct val="100000"/>
+              </a:lnSpc>
+              <a:spcBef>
+                <a:spcPct val="0"/>
+              </a:spcBef>
+              <a:spcAft>
+                <a:spcPct val="0"/>
+              </a:spcAft>
+              <a:buClrTx/>
+              <a:buSzTx/>
+              <a:buFontTx/>
+              <a:buNone/>
+              <a:tabLst/>
+            </a:pPr>
+            <a:endParaRPr kumimoji="0" lang="en-US" sz="1200" b="0" i="0" u="none" strike="noStrike" cap="none" normalizeH="0" baseline="0" dirty="0" smtClean="0">
+              <a:ln>
+                <a:noFill/>
+              </a:ln>
+              <a:solidFill>
+                <a:schemeClr val="bg1"/>
+              </a:solidFill>
+              <a:effectLst/>
+              <a:latin typeface="Arial" pitchFamily="-106" charset="0"/>
+              <a:ea typeface="ＭＳ Ｐゴシック" pitchFamily="-106" charset="-128"/>
+              <a:cs typeface="ＭＳ Ｐゴシック" pitchFamily="-106" charset="-128"/>
+            </a:endParaRPr>
+          </a:p>
+          <a:p>
+            <a:pPr marL="0" marR="0" indent="0" algn="ctr" defTabSz="914400" rtl="0" eaLnBrk="0" fontAlgn="base" latinLnBrk="0" hangingPunct="0">
+              <a:lnSpc>
+                <a:spcPct val="100000"/>
+              </a:lnSpc>
+              <a:spcBef>
+                <a:spcPct val="0"/>
+              </a:spcBef>
+              <a:spcAft>
+                <a:spcPct val="0"/>
+              </a:spcAft>
+              <a:buClrTx/>
+              <a:buSzTx/>
+              <a:buFontTx/>
+              <a:buNone/>
+              <a:tabLst/>
+            </a:pPr>
+            <a:r>
+              <a:rPr kumimoji="0" lang="en-US" sz="1200" b="0" i="0" u="none" strike="noStrike" cap="none" normalizeH="0" baseline="0" dirty="0" smtClean="0">
+                <a:ln>
+                  <a:noFill/>
+                </a:ln>
+                <a:solidFill>
+                  <a:schemeClr val="bg1"/>
+                </a:solidFill>
+                <a:effectLst/>
+                <a:latin typeface="Arial" pitchFamily="-106" charset="0"/>
+                <a:ea typeface="ＭＳ Ｐゴシック" pitchFamily="-106" charset="-128"/>
+                <a:cs typeface="ＭＳ Ｐゴシック" pitchFamily="-106" charset="-128"/>
+              </a:rPr>
+              <a:t>Group </a:t>
+            </a:r>
+          </a:p>
+          <a:p>
+            <a:pPr marL="0" marR="0" indent="0" algn="ctr" defTabSz="914400" rtl="0" eaLnBrk="0" fontAlgn="base" latinLnBrk="0" hangingPunct="0">
+              <a:lnSpc>
+                <a:spcPct val="100000"/>
+              </a:lnSpc>
+              <a:spcBef>
+                <a:spcPct val="0"/>
+              </a:spcBef>
+              <a:spcAft>
+                <a:spcPct val="0"/>
+              </a:spcAft>
+              <a:buClrTx/>
+              <a:buSzTx/>
+              <a:buFontTx/>
+              <a:buNone/>
+              <a:tabLst/>
+            </a:pPr>
+            <a:r>
+              <a:rPr lang="en-US" sz="1200" dirty="0" smtClean="0">
+                <a:solidFill>
+                  <a:schemeClr val="bg1"/>
+                </a:solidFill>
+                <a:latin typeface="Arial" pitchFamily="-106" charset="0"/>
+                <a:ea typeface="ＭＳ Ｐゴシック" pitchFamily="-106" charset="-128"/>
+                <a:cs typeface="ＭＳ Ｐゴシック" pitchFamily="-106" charset="-128"/>
+              </a:rPr>
+              <a:t>&amp;</a:t>
+            </a:r>
+          </a:p>
+          <a:p>
+            <a:pPr marL="0" marR="0" indent="0" algn="ctr" defTabSz="914400" rtl="0" eaLnBrk="0" fontAlgn="base" latinLnBrk="0" hangingPunct="0">
+              <a:lnSpc>
+                <a:spcPct val="100000"/>
+              </a:lnSpc>
+              <a:spcBef>
+                <a:spcPct val="0"/>
+              </a:spcBef>
+              <a:spcAft>
+                <a:spcPct val="0"/>
+              </a:spcAft>
+              <a:buClrTx/>
+              <a:buSzTx/>
+              <a:buFontTx/>
+              <a:buNone/>
+              <a:tabLst/>
+            </a:pPr>
+            <a:r>
+              <a:rPr kumimoji="0" lang="en-US" sz="1200" b="0" i="0" u="none" strike="noStrike" cap="none" normalizeH="0" dirty="0" smtClean="0">
+                <a:ln>
+                  <a:noFill/>
+                </a:ln>
+                <a:solidFill>
+                  <a:schemeClr val="bg1"/>
+                </a:solidFill>
+                <a:effectLst/>
+                <a:latin typeface="Arial" pitchFamily="-106" charset="0"/>
+                <a:ea typeface="ＭＳ Ｐゴシック" pitchFamily="-106" charset="-128"/>
+                <a:cs typeface="ＭＳ Ｐゴシック" pitchFamily="-106" charset="-128"/>
+              </a:rPr>
+              <a:t> </a:t>
+            </a:r>
+            <a:r>
+              <a:rPr kumimoji="0" lang="en-US" sz="1200" b="0" i="0" u="none" strike="noStrike" cap="none" normalizeH="0" dirty="0" smtClean="0">
+                <a:ln>
+                  <a:noFill/>
+                </a:ln>
+                <a:solidFill>
+                  <a:schemeClr val="bg1"/>
+                </a:solidFill>
+                <a:effectLst/>
+                <a:latin typeface="Arial" pitchFamily="-106" charset="0"/>
+                <a:ea typeface="ＭＳ Ｐゴシック" pitchFamily="-106" charset="-128"/>
+                <a:cs typeface="ＭＳ Ｐゴシック" pitchFamily="-106" charset="-128"/>
+              </a:rPr>
+              <a:t>Aggregate</a:t>
+            </a:r>
+            <a:endParaRPr kumimoji="0" lang="en-US" sz="1200" b="0" i="0" u="none" strike="noStrike" cap="none" normalizeH="0" baseline="0" dirty="0" smtClean="0">
+              <a:ln>
+                <a:noFill/>
+              </a:ln>
+              <a:solidFill>
+                <a:schemeClr val="bg1"/>
+              </a:solidFill>
+              <a:effectLst/>
+              <a:latin typeface="Arial" pitchFamily="-106" charset="0"/>
+              <a:ea typeface="ＭＳ Ｐゴシック" pitchFamily="-106" charset="-128"/>
+              <a:cs typeface="ＭＳ Ｐゴシック" pitchFamily="-106" charset="-128"/>
+            </a:endParaRPr>
+          </a:p>
+        </p:txBody>
+      </p:sp>
+      <p:sp>
+        <p:nvSpPr>
+          <p:cNvPr id="6" name="TextBox 5"/>
+          <p:cNvSpPr txBox="1"/>
+          <p:nvPr/>
+        </p:nvSpPr>
+        <p:spPr>
+          <a:xfrm>
+            <a:off x="98602" y="1757080"/>
+            <a:ext cx="2519082" cy="1169551"/>
+          </a:xfrm>
+          <a:prstGeom prst="rect">
+            <a:avLst/>
+          </a:prstGeom>
+          <a:noFill/>
+        </p:spPr>
+        <p:txBody>
+          <a:bodyPr wrap="square" rtlCol="0">
+            <a:spAutoFit/>
+          </a:bodyPr>
+          <a:lstStyle/>
+          <a:p>
+            <a:r>
+              <a:rPr lang="en-US" sz="1000" dirty="0" smtClean="0">
+                <a:latin typeface="Courier New" pitchFamily="49" charset="0"/>
+                <a:cs typeface="Courier New" pitchFamily="49" charset="0"/>
+              </a:rPr>
+              <a:t>CAT         YEAR        SALES</a:t>
+            </a:r>
+          </a:p>
+          <a:p>
+            <a:r>
+              <a:rPr lang="en-US" sz="1000" dirty="0" smtClean="0">
+                <a:latin typeface="Courier New" pitchFamily="49" charset="0"/>
+                <a:cs typeface="Courier New" pitchFamily="49" charset="0"/>
+              </a:rPr>
+              <a:t>------------------------------</a:t>
+            </a:r>
+          </a:p>
+          <a:p>
+            <a:r>
+              <a:rPr lang="en-US" sz="1000" dirty="0" smtClean="0">
+                <a:latin typeface="Courier New" pitchFamily="49" charset="0"/>
+                <a:cs typeface="Courier New" pitchFamily="49" charset="0"/>
+              </a:rPr>
+              <a:t>books	2010	1000</a:t>
+            </a:r>
+            <a:endParaRPr lang="en-US" sz="1000" dirty="0" smtClean="0">
+              <a:latin typeface="Courier New" pitchFamily="49" charset="0"/>
+              <a:cs typeface="Courier New" pitchFamily="49" charset="0"/>
+            </a:endParaRPr>
+          </a:p>
+          <a:p>
+            <a:r>
+              <a:rPr lang="en-US" sz="1000" dirty="0" smtClean="0">
+                <a:latin typeface="Courier New" pitchFamily="49" charset="0"/>
+                <a:cs typeface="Courier New" pitchFamily="49" charset="0"/>
+              </a:rPr>
+              <a:t>books	2010	</a:t>
+            </a:r>
+            <a:r>
+              <a:rPr lang="en-US" sz="1000" dirty="0" smtClean="0">
+                <a:latin typeface="Courier New" pitchFamily="49" charset="0"/>
+                <a:cs typeface="Courier New" pitchFamily="49" charset="0"/>
+              </a:rPr>
+              <a:t>600</a:t>
+            </a:r>
+            <a:endParaRPr lang="en-US" sz="1000" dirty="0" smtClean="0">
+              <a:latin typeface="Courier New" pitchFamily="49" charset="0"/>
+              <a:cs typeface="Courier New" pitchFamily="49" charset="0"/>
+            </a:endParaRPr>
+          </a:p>
+          <a:p>
+            <a:r>
+              <a:rPr lang="en-US" sz="1000" dirty="0" smtClean="0">
+                <a:latin typeface="Courier New" pitchFamily="49" charset="0"/>
+                <a:cs typeface="Courier New" pitchFamily="49" charset="0"/>
+              </a:rPr>
+              <a:t>books</a:t>
+            </a:r>
+            <a:r>
+              <a:rPr lang="en-US" sz="1000" dirty="0" smtClean="0">
+                <a:latin typeface="Courier New" pitchFamily="49" charset="0"/>
+                <a:cs typeface="Courier New" pitchFamily="49" charset="0"/>
+              </a:rPr>
+              <a:t>       </a:t>
+            </a:r>
+            <a:r>
+              <a:rPr lang="en-US" sz="1000" dirty="0" smtClean="0">
+                <a:latin typeface="Courier New" pitchFamily="49" charset="0"/>
+                <a:cs typeface="Courier New" pitchFamily="49" charset="0"/>
+              </a:rPr>
+              <a:t>2011</a:t>
+            </a:r>
+            <a:r>
+              <a:rPr lang="en-US" sz="1000" dirty="0" smtClean="0">
+                <a:latin typeface="Courier New" pitchFamily="49" charset="0"/>
+                <a:cs typeface="Courier New" pitchFamily="49" charset="0"/>
+              </a:rPr>
+              <a:t>     </a:t>
+            </a:r>
+            <a:r>
+              <a:rPr lang="en-US" sz="1000" dirty="0" smtClean="0">
+                <a:latin typeface="Courier New" pitchFamily="49" charset="0"/>
+                <a:cs typeface="Courier New" pitchFamily="49" charset="0"/>
+              </a:rPr>
+              <a:t>	1500</a:t>
+            </a:r>
+            <a:endParaRPr lang="en-US" sz="1000" dirty="0" smtClean="0">
+              <a:latin typeface="Courier New" pitchFamily="49" charset="0"/>
+              <a:cs typeface="Courier New" pitchFamily="49" charset="0"/>
+            </a:endParaRPr>
+          </a:p>
+          <a:p>
+            <a:r>
+              <a:rPr lang="en-US" sz="1000" dirty="0" err="1" smtClean="0">
+                <a:latin typeface="Courier New" pitchFamily="49" charset="0"/>
+                <a:cs typeface="Courier New" pitchFamily="49" charset="0"/>
+              </a:rPr>
+              <a:t>elec</a:t>
+            </a:r>
+            <a:r>
+              <a:rPr lang="en-US" sz="1000" dirty="0" smtClean="0">
+                <a:latin typeface="Courier New" pitchFamily="49" charset="0"/>
+                <a:cs typeface="Courier New" pitchFamily="49" charset="0"/>
+              </a:rPr>
+              <a:t>        </a:t>
+            </a:r>
+            <a:r>
+              <a:rPr lang="en-US" sz="1000" dirty="0" smtClean="0">
+                <a:latin typeface="Courier New" pitchFamily="49" charset="0"/>
+                <a:cs typeface="Courier New" pitchFamily="49" charset="0"/>
+              </a:rPr>
+              <a:t>2010</a:t>
+            </a:r>
+            <a:r>
+              <a:rPr lang="en-US" sz="1000" dirty="0" smtClean="0">
+                <a:latin typeface="Courier New" pitchFamily="49" charset="0"/>
+                <a:cs typeface="Courier New" pitchFamily="49" charset="0"/>
+              </a:rPr>
+              <a:t>     </a:t>
+            </a:r>
+            <a:r>
+              <a:rPr lang="en-US" sz="1000" dirty="0" smtClean="0">
+                <a:latin typeface="Courier New" pitchFamily="49" charset="0"/>
+                <a:cs typeface="Courier New" pitchFamily="49" charset="0"/>
+              </a:rPr>
+              <a:t>	500</a:t>
+            </a:r>
+            <a:endParaRPr lang="en-US" sz="1000" dirty="0" smtClean="0">
+              <a:latin typeface="Courier New" pitchFamily="49" charset="0"/>
+              <a:cs typeface="Courier New" pitchFamily="49" charset="0"/>
+            </a:endParaRPr>
+          </a:p>
+          <a:p>
+            <a:r>
+              <a:rPr lang="en-US" sz="1000" dirty="0" err="1" smtClean="0">
+                <a:latin typeface="Courier New" pitchFamily="49" charset="0"/>
+                <a:cs typeface="Courier New" pitchFamily="49" charset="0"/>
+              </a:rPr>
+              <a:t>elec</a:t>
+            </a:r>
+            <a:r>
+              <a:rPr lang="en-US" sz="1000" dirty="0" smtClean="0">
+                <a:latin typeface="Courier New" pitchFamily="49" charset="0"/>
+                <a:cs typeface="Courier New" pitchFamily="49" charset="0"/>
+              </a:rPr>
+              <a:t>        </a:t>
+            </a:r>
+            <a:r>
+              <a:rPr lang="en-US" sz="1000" dirty="0" smtClean="0">
+                <a:latin typeface="Courier New" pitchFamily="49" charset="0"/>
+                <a:cs typeface="Courier New" pitchFamily="49" charset="0"/>
+              </a:rPr>
+              <a:t>2011</a:t>
+            </a:r>
+            <a:r>
+              <a:rPr lang="en-US" sz="1000" dirty="0" smtClean="0">
+                <a:latin typeface="Courier New" pitchFamily="49" charset="0"/>
+                <a:cs typeface="Courier New" pitchFamily="49" charset="0"/>
+              </a:rPr>
+              <a:t>     </a:t>
+            </a:r>
+            <a:r>
+              <a:rPr lang="en-US" sz="1000" dirty="0" smtClean="0">
+                <a:latin typeface="Courier New" pitchFamily="49" charset="0"/>
+                <a:cs typeface="Courier New" pitchFamily="49" charset="0"/>
+              </a:rPr>
+              <a:t>	3000</a:t>
+            </a:r>
+            <a:endParaRPr lang="en-US" sz="1000" dirty="0" smtClean="0">
+              <a:latin typeface="Courier New" pitchFamily="49" charset="0"/>
+              <a:cs typeface="Courier New" pitchFamily="49" charset="0"/>
+            </a:endParaRPr>
+          </a:p>
+        </p:txBody>
+      </p:sp>
+      <p:sp>
+        <p:nvSpPr>
+          <p:cNvPr id="7" name="TextBox 6"/>
+          <p:cNvSpPr txBox="1"/>
+          <p:nvPr/>
+        </p:nvSpPr>
+        <p:spPr>
+          <a:xfrm>
+            <a:off x="5620880" y="1667432"/>
+            <a:ext cx="3657600" cy="2708434"/>
+          </a:xfrm>
+          <a:prstGeom prst="rect">
+            <a:avLst/>
+          </a:prstGeom>
+          <a:noFill/>
+        </p:spPr>
+        <p:txBody>
+          <a:bodyPr wrap="square" rtlCol="0">
+            <a:spAutoFit/>
+          </a:bodyPr>
+          <a:lstStyle/>
+          <a:p>
+            <a:r>
+              <a:rPr lang="en-US" sz="1000" dirty="0" smtClean="0">
+                <a:latin typeface="Courier New" pitchFamily="49" charset="0"/>
+                <a:cs typeface="Courier New" pitchFamily="49" charset="0"/>
+              </a:rPr>
+              <a:t>CAT         YEAR        SALES   GROUPING_ID   </a:t>
+            </a:r>
+          </a:p>
+          <a:p>
+            <a:r>
+              <a:rPr lang="en-US" sz="1000" dirty="0" smtClean="0">
+                <a:latin typeface="Courier New" pitchFamily="49" charset="0"/>
+                <a:cs typeface="Courier New" pitchFamily="49" charset="0"/>
+              </a:rPr>
+              <a:t>--------------------------------------------</a:t>
+            </a:r>
+          </a:p>
+          <a:p>
+            <a:r>
+              <a:rPr lang="en-US" sz="1000" dirty="0" smtClean="0">
+                <a:latin typeface="Courier New" pitchFamily="49" charset="0"/>
+                <a:cs typeface="Courier New" pitchFamily="49" charset="0"/>
+              </a:rPr>
+              <a:t>b</a:t>
+            </a:r>
+            <a:r>
+              <a:rPr lang="en-US" sz="1000" dirty="0" smtClean="0">
+                <a:latin typeface="Courier New" pitchFamily="49" charset="0"/>
+                <a:cs typeface="Courier New" pitchFamily="49" charset="0"/>
+              </a:rPr>
+              <a:t>ooks	2010	1000	0</a:t>
+            </a:r>
+          </a:p>
+          <a:p>
+            <a:r>
+              <a:rPr lang="en-US" sz="1000" dirty="0" smtClean="0">
+                <a:latin typeface="Courier New" pitchFamily="49" charset="0"/>
+                <a:cs typeface="Courier New" pitchFamily="49" charset="0"/>
+              </a:rPr>
+              <a:t>books</a:t>
+            </a:r>
+            <a:r>
+              <a:rPr lang="en-US" sz="1000" dirty="0" smtClean="0">
+                <a:latin typeface="Courier New" pitchFamily="49" charset="0"/>
+                <a:cs typeface="Courier New" pitchFamily="49" charset="0"/>
+              </a:rPr>
+              <a:t>		</a:t>
+            </a:r>
+            <a:r>
+              <a:rPr lang="en-US" sz="1000" dirty="0" smtClean="0">
+                <a:latin typeface="Courier New" pitchFamily="49" charset="0"/>
+                <a:cs typeface="Courier New" pitchFamily="49" charset="0"/>
+              </a:rPr>
+              <a:t>1000        1</a:t>
+            </a:r>
+          </a:p>
+          <a:p>
+            <a:r>
+              <a:rPr lang="en-US" sz="1000" dirty="0" smtClean="0">
+                <a:latin typeface="Courier New" pitchFamily="49" charset="0"/>
+                <a:cs typeface="Courier New" pitchFamily="49" charset="0"/>
+              </a:rPr>
+              <a:t>		</a:t>
+            </a:r>
+            <a:r>
+              <a:rPr lang="en-US" sz="1000" dirty="0" smtClean="0">
+                <a:latin typeface="Courier New" pitchFamily="49" charset="0"/>
+                <a:cs typeface="Courier New" pitchFamily="49" charset="0"/>
+              </a:rPr>
+              <a:t>1000        3</a:t>
+            </a:r>
+          </a:p>
+          <a:p>
+            <a:r>
+              <a:rPr lang="en-US" sz="1000" dirty="0" smtClean="0">
+                <a:latin typeface="Courier New" pitchFamily="49" charset="0"/>
+                <a:cs typeface="Courier New" pitchFamily="49" charset="0"/>
+              </a:rPr>
+              <a:t>books	2010	</a:t>
+            </a:r>
+            <a:r>
+              <a:rPr lang="en-US" sz="1000" dirty="0" smtClean="0">
+                <a:latin typeface="Courier New" pitchFamily="49" charset="0"/>
+                <a:cs typeface="Courier New" pitchFamily="49" charset="0"/>
+              </a:rPr>
+              <a:t>600</a:t>
+            </a:r>
+            <a:r>
+              <a:rPr lang="en-US" sz="1000" dirty="0" smtClean="0">
+                <a:latin typeface="Courier New" pitchFamily="49" charset="0"/>
+                <a:cs typeface="Courier New" pitchFamily="49" charset="0"/>
+              </a:rPr>
+              <a:t>	0</a:t>
+            </a:r>
+          </a:p>
+          <a:p>
+            <a:r>
+              <a:rPr lang="en-US" sz="1000" dirty="0" smtClean="0">
+                <a:latin typeface="Courier New" pitchFamily="49" charset="0"/>
+                <a:cs typeface="Courier New" pitchFamily="49" charset="0"/>
+              </a:rPr>
+              <a:t>books		</a:t>
+            </a:r>
+            <a:r>
+              <a:rPr lang="en-US" sz="1000" dirty="0" smtClean="0">
+                <a:latin typeface="Courier New" pitchFamily="49" charset="0"/>
+                <a:cs typeface="Courier New" pitchFamily="49" charset="0"/>
+              </a:rPr>
+              <a:t>600	1</a:t>
+            </a:r>
+            <a:endParaRPr lang="en-US" sz="1000" dirty="0" smtClean="0">
+              <a:latin typeface="Courier New" pitchFamily="49" charset="0"/>
+              <a:cs typeface="Courier New" pitchFamily="49" charset="0"/>
+            </a:endParaRPr>
+          </a:p>
+          <a:p>
+            <a:r>
+              <a:rPr lang="en-US" sz="1000" dirty="0" smtClean="0">
+                <a:latin typeface="Courier New" pitchFamily="49" charset="0"/>
+                <a:cs typeface="Courier New" pitchFamily="49" charset="0"/>
+              </a:rPr>
+              <a:t>		</a:t>
+            </a:r>
+            <a:r>
+              <a:rPr lang="en-US" sz="1000" dirty="0" smtClean="0">
+                <a:latin typeface="Courier New" pitchFamily="49" charset="0"/>
+                <a:cs typeface="Courier New" pitchFamily="49" charset="0"/>
+              </a:rPr>
+              <a:t>600	3</a:t>
+            </a:r>
+            <a:endParaRPr lang="en-US" sz="1000" dirty="0" smtClean="0">
+              <a:latin typeface="Courier New" pitchFamily="49" charset="0"/>
+              <a:cs typeface="Courier New" pitchFamily="49" charset="0"/>
+            </a:endParaRPr>
+          </a:p>
+          <a:p>
+            <a:r>
+              <a:rPr lang="en-US" sz="1000" dirty="0" smtClean="0">
+                <a:latin typeface="Courier New" pitchFamily="49" charset="0"/>
+                <a:cs typeface="Courier New" pitchFamily="49" charset="0"/>
+              </a:rPr>
+              <a:t>books       2011     	</a:t>
+            </a:r>
+            <a:r>
+              <a:rPr lang="en-US" sz="1000" dirty="0" smtClean="0">
+                <a:latin typeface="Courier New" pitchFamily="49" charset="0"/>
+                <a:cs typeface="Courier New" pitchFamily="49" charset="0"/>
+              </a:rPr>
+              <a:t>1500        0</a:t>
+            </a:r>
+            <a:endParaRPr lang="en-US" sz="1000" dirty="0" smtClean="0">
+              <a:latin typeface="Courier New" pitchFamily="49" charset="0"/>
+              <a:cs typeface="Courier New" pitchFamily="49" charset="0"/>
+            </a:endParaRPr>
+          </a:p>
+          <a:p>
+            <a:r>
+              <a:rPr lang="en-US" sz="1000" dirty="0" smtClean="0">
+                <a:latin typeface="Courier New" pitchFamily="49" charset="0"/>
+                <a:cs typeface="Courier New" pitchFamily="49" charset="0"/>
+              </a:rPr>
+              <a:t>books            	</a:t>
+            </a:r>
+            <a:r>
+              <a:rPr lang="en-US" sz="1000" dirty="0" smtClean="0">
+                <a:latin typeface="Courier New" pitchFamily="49" charset="0"/>
+                <a:cs typeface="Courier New" pitchFamily="49" charset="0"/>
+              </a:rPr>
+              <a:t>1500        1</a:t>
+            </a:r>
+          </a:p>
+          <a:p>
+            <a:r>
+              <a:rPr lang="en-US" sz="1000" dirty="0" smtClean="0">
+                <a:latin typeface="Courier New" pitchFamily="49" charset="0"/>
+                <a:cs typeface="Courier New" pitchFamily="49" charset="0"/>
+              </a:rPr>
+              <a:t>            	</a:t>
+            </a:r>
+            <a:r>
+              <a:rPr lang="en-US" sz="1000" dirty="0" smtClean="0">
+                <a:latin typeface="Courier New" pitchFamily="49" charset="0"/>
+                <a:cs typeface="Courier New" pitchFamily="49" charset="0"/>
+              </a:rPr>
+              <a:t>1500        3</a:t>
+            </a:r>
+            <a:endParaRPr lang="en-US" sz="1000" dirty="0" smtClean="0">
+              <a:latin typeface="Courier New" pitchFamily="49" charset="0"/>
+              <a:cs typeface="Courier New" pitchFamily="49" charset="0"/>
+            </a:endParaRPr>
+          </a:p>
+          <a:p>
+            <a:r>
+              <a:rPr lang="en-US" sz="1000" dirty="0" err="1" smtClean="0">
+                <a:latin typeface="Courier New" pitchFamily="49" charset="0"/>
+                <a:cs typeface="Courier New" pitchFamily="49" charset="0"/>
+              </a:rPr>
+              <a:t>elec</a:t>
+            </a:r>
+            <a:r>
+              <a:rPr lang="en-US" sz="1000" dirty="0" smtClean="0">
+                <a:latin typeface="Courier New" pitchFamily="49" charset="0"/>
+                <a:cs typeface="Courier New" pitchFamily="49" charset="0"/>
+              </a:rPr>
+              <a:t>        </a:t>
+            </a:r>
+            <a:r>
+              <a:rPr lang="en-US" sz="1000" dirty="0" smtClean="0">
+                <a:latin typeface="Courier New" pitchFamily="49" charset="0"/>
+                <a:cs typeface="Courier New" pitchFamily="49" charset="0"/>
+              </a:rPr>
+              <a:t>2010</a:t>
+            </a:r>
+            <a:r>
+              <a:rPr lang="en-US" sz="1000" dirty="0" smtClean="0">
+                <a:latin typeface="Courier New" pitchFamily="49" charset="0"/>
+                <a:cs typeface="Courier New" pitchFamily="49" charset="0"/>
+              </a:rPr>
+              <a:t>     </a:t>
+            </a:r>
+            <a:r>
+              <a:rPr lang="en-US" sz="1000" dirty="0" smtClean="0">
+                <a:latin typeface="Courier New" pitchFamily="49" charset="0"/>
+                <a:cs typeface="Courier New" pitchFamily="49" charset="0"/>
+              </a:rPr>
+              <a:t>	500         0</a:t>
+            </a:r>
+          </a:p>
+          <a:p>
+            <a:r>
+              <a:rPr lang="en-US" sz="1000" dirty="0" err="1" smtClean="0">
+                <a:latin typeface="Courier New" pitchFamily="49" charset="0"/>
+                <a:cs typeface="Courier New" pitchFamily="49" charset="0"/>
+              </a:rPr>
+              <a:t>elec</a:t>
+            </a:r>
+            <a:r>
+              <a:rPr lang="en-US" sz="1000" dirty="0" smtClean="0">
+                <a:latin typeface="Courier New" pitchFamily="49" charset="0"/>
+                <a:cs typeface="Courier New" pitchFamily="49" charset="0"/>
+              </a:rPr>
+              <a:t>             	</a:t>
+            </a:r>
+            <a:r>
+              <a:rPr lang="en-US" sz="1000" dirty="0" smtClean="0">
+                <a:latin typeface="Courier New" pitchFamily="49" charset="0"/>
+                <a:cs typeface="Courier New" pitchFamily="49" charset="0"/>
+              </a:rPr>
+              <a:t>500         1  </a:t>
+            </a:r>
+            <a:endParaRPr lang="en-US" sz="1000" dirty="0" smtClean="0">
+              <a:latin typeface="Courier New" pitchFamily="49" charset="0"/>
+              <a:cs typeface="Courier New" pitchFamily="49" charset="0"/>
+            </a:endParaRPr>
+          </a:p>
+          <a:p>
+            <a:r>
+              <a:rPr lang="en-US" sz="1000" dirty="0" smtClean="0">
+                <a:latin typeface="Courier New" pitchFamily="49" charset="0"/>
+                <a:cs typeface="Courier New" pitchFamily="49" charset="0"/>
+              </a:rPr>
+              <a:t>             	</a:t>
+            </a:r>
+            <a:r>
+              <a:rPr lang="en-US" sz="1000" dirty="0" smtClean="0">
+                <a:latin typeface="Courier New" pitchFamily="49" charset="0"/>
+                <a:cs typeface="Courier New" pitchFamily="49" charset="0"/>
+              </a:rPr>
+              <a:t>500         3 </a:t>
+            </a:r>
+            <a:endParaRPr lang="en-US" sz="1000" dirty="0" smtClean="0">
+              <a:latin typeface="Courier New" pitchFamily="49" charset="0"/>
+              <a:cs typeface="Courier New" pitchFamily="49" charset="0"/>
+            </a:endParaRPr>
+          </a:p>
+          <a:p>
+            <a:r>
+              <a:rPr lang="en-US" sz="1000" dirty="0" err="1" smtClean="0">
+                <a:latin typeface="Courier New" pitchFamily="49" charset="0"/>
+                <a:cs typeface="Courier New" pitchFamily="49" charset="0"/>
+              </a:rPr>
+              <a:t>elec</a:t>
+            </a:r>
+            <a:r>
+              <a:rPr lang="en-US" sz="1000" dirty="0" smtClean="0">
+                <a:latin typeface="Courier New" pitchFamily="49" charset="0"/>
+                <a:cs typeface="Courier New" pitchFamily="49" charset="0"/>
+              </a:rPr>
+              <a:t>        </a:t>
+            </a:r>
+            <a:r>
+              <a:rPr lang="en-US" sz="1000" dirty="0" smtClean="0">
+                <a:latin typeface="Courier New" pitchFamily="49" charset="0"/>
+                <a:cs typeface="Courier New" pitchFamily="49" charset="0"/>
+              </a:rPr>
+              <a:t>2011</a:t>
+            </a:r>
+            <a:r>
+              <a:rPr lang="en-US" sz="1000" dirty="0" smtClean="0">
+                <a:latin typeface="Courier New" pitchFamily="49" charset="0"/>
+                <a:cs typeface="Courier New" pitchFamily="49" charset="0"/>
+              </a:rPr>
+              <a:t>     </a:t>
+            </a:r>
+            <a:r>
+              <a:rPr lang="en-US" sz="1000" dirty="0" smtClean="0">
+                <a:latin typeface="Courier New" pitchFamily="49" charset="0"/>
+                <a:cs typeface="Courier New" pitchFamily="49" charset="0"/>
+              </a:rPr>
+              <a:t>	3000        0</a:t>
+            </a:r>
+          </a:p>
+          <a:p>
+            <a:r>
+              <a:rPr lang="en-US" sz="1000" dirty="0" err="1" smtClean="0">
+                <a:latin typeface="Courier New" pitchFamily="49" charset="0"/>
+                <a:cs typeface="Courier New" pitchFamily="49" charset="0"/>
+              </a:rPr>
+              <a:t>elec</a:t>
+            </a:r>
+            <a:r>
+              <a:rPr lang="en-US" sz="1000" dirty="0" smtClean="0">
+                <a:latin typeface="Courier New" pitchFamily="49" charset="0"/>
+                <a:cs typeface="Courier New" pitchFamily="49" charset="0"/>
+              </a:rPr>
+              <a:t>             	</a:t>
+            </a:r>
+            <a:r>
+              <a:rPr lang="en-US" sz="1000" dirty="0" smtClean="0">
+                <a:latin typeface="Courier New" pitchFamily="49" charset="0"/>
+                <a:cs typeface="Courier New" pitchFamily="49" charset="0"/>
+              </a:rPr>
+              <a:t>3000        1</a:t>
+            </a:r>
+            <a:endParaRPr lang="en-US" sz="1000" dirty="0" smtClean="0">
+              <a:latin typeface="Courier New" pitchFamily="49" charset="0"/>
+              <a:cs typeface="Courier New" pitchFamily="49" charset="0"/>
+            </a:endParaRPr>
+          </a:p>
+          <a:p>
+            <a:r>
+              <a:rPr lang="en-US" sz="1000" dirty="0" smtClean="0">
+                <a:latin typeface="Courier New" pitchFamily="49" charset="0"/>
+                <a:cs typeface="Courier New" pitchFamily="49" charset="0"/>
+              </a:rPr>
+              <a:t>	</a:t>
+            </a:r>
+            <a:r>
+              <a:rPr lang="en-US" sz="1000" dirty="0" smtClean="0">
+                <a:latin typeface="Courier New" pitchFamily="49" charset="0"/>
+                <a:cs typeface="Courier New" pitchFamily="49" charset="0"/>
+              </a:rPr>
+              <a:t>     	</a:t>
+            </a:r>
+            <a:r>
+              <a:rPr lang="en-US" sz="1000" dirty="0" smtClean="0">
+                <a:latin typeface="Courier New" pitchFamily="49" charset="0"/>
+                <a:cs typeface="Courier New" pitchFamily="49" charset="0"/>
+              </a:rPr>
+              <a:t>3000        3</a:t>
+            </a:r>
+            <a:endParaRPr lang="en-US" sz="1000" dirty="0" smtClean="0">
+              <a:latin typeface="Courier New" pitchFamily="49" charset="0"/>
+              <a:cs typeface="Courier New" pitchFamily="49" charset="0"/>
+            </a:endParaRPr>
+          </a:p>
+        </p:txBody>
+      </p:sp>
+      <p:sp>
+        <p:nvSpPr>
+          <p:cNvPr id="11" name="TextBox 10"/>
+          <p:cNvSpPr txBox="1"/>
+          <p:nvPr/>
+        </p:nvSpPr>
+        <p:spPr>
+          <a:xfrm>
+            <a:off x="340648" y="4025152"/>
+            <a:ext cx="3657600" cy="1477328"/>
+          </a:xfrm>
+          <a:prstGeom prst="rect">
+            <a:avLst/>
+          </a:prstGeom>
+          <a:noFill/>
+        </p:spPr>
+        <p:txBody>
+          <a:bodyPr wrap="square" rtlCol="0">
+            <a:spAutoFit/>
+          </a:bodyPr>
+          <a:lstStyle/>
+          <a:p>
+            <a:r>
+              <a:rPr lang="en-US" sz="1000" dirty="0" smtClean="0">
+                <a:latin typeface="Courier New" pitchFamily="49" charset="0"/>
+                <a:cs typeface="Courier New" pitchFamily="49" charset="0"/>
+              </a:rPr>
+              <a:t>CAT         YEAR        SALES   GROUPING_ID   </a:t>
+            </a:r>
+          </a:p>
+          <a:p>
+            <a:r>
+              <a:rPr lang="en-US" sz="1000" dirty="0" smtClean="0">
+                <a:latin typeface="Courier New" pitchFamily="49" charset="0"/>
+                <a:cs typeface="Courier New" pitchFamily="49" charset="0"/>
+              </a:rPr>
+              <a:t>--------------------------------------------</a:t>
+            </a:r>
+          </a:p>
+          <a:p>
+            <a:r>
+              <a:rPr lang="en-US" sz="1000" dirty="0" smtClean="0">
+                <a:latin typeface="Courier New" pitchFamily="49" charset="0"/>
+                <a:cs typeface="Courier New" pitchFamily="49" charset="0"/>
+              </a:rPr>
+              <a:t>b</a:t>
+            </a:r>
+            <a:r>
+              <a:rPr lang="en-US" sz="1000" dirty="0" smtClean="0">
+                <a:latin typeface="Courier New" pitchFamily="49" charset="0"/>
+                <a:cs typeface="Courier New" pitchFamily="49" charset="0"/>
+              </a:rPr>
+              <a:t>ooks	2010	1600	0</a:t>
+            </a:r>
+          </a:p>
+          <a:p>
+            <a:r>
+              <a:rPr lang="en-US" sz="1000" dirty="0" smtClean="0">
+                <a:latin typeface="Courier New" pitchFamily="49" charset="0"/>
+                <a:cs typeface="Courier New" pitchFamily="49" charset="0"/>
+              </a:rPr>
+              <a:t>books       2011     	1500        0</a:t>
+            </a:r>
+          </a:p>
+          <a:p>
+            <a:r>
+              <a:rPr lang="en-US" sz="1000" dirty="0" err="1" smtClean="0">
+                <a:latin typeface="Courier New" pitchFamily="49" charset="0"/>
+                <a:cs typeface="Courier New" pitchFamily="49" charset="0"/>
+              </a:rPr>
+              <a:t>elec</a:t>
+            </a:r>
+            <a:r>
+              <a:rPr lang="en-US" sz="1000" dirty="0" smtClean="0">
+                <a:latin typeface="Courier New" pitchFamily="49" charset="0"/>
+                <a:cs typeface="Courier New" pitchFamily="49" charset="0"/>
+              </a:rPr>
+              <a:t>        2010     	500         0</a:t>
+            </a:r>
+          </a:p>
+          <a:p>
+            <a:r>
+              <a:rPr lang="en-US" sz="1000" dirty="0" err="1" smtClean="0">
+                <a:latin typeface="Courier New" pitchFamily="49" charset="0"/>
+                <a:cs typeface="Courier New" pitchFamily="49" charset="0"/>
+              </a:rPr>
+              <a:t>elec</a:t>
+            </a:r>
+            <a:r>
+              <a:rPr lang="en-US" sz="1000" dirty="0" smtClean="0">
+                <a:latin typeface="Courier New" pitchFamily="49" charset="0"/>
+                <a:cs typeface="Courier New" pitchFamily="49" charset="0"/>
+              </a:rPr>
+              <a:t>        2010     	</a:t>
+            </a:r>
+            <a:r>
+              <a:rPr lang="en-US" sz="1000" dirty="0" smtClean="0">
+                <a:latin typeface="Courier New" pitchFamily="49" charset="0"/>
+                <a:cs typeface="Courier New" pitchFamily="49" charset="0"/>
+              </a:rPr>
+              <a:t>300         </a:t>
+            </a:r>
+            <a:r>
+              <a:rPr lang="en-US" sz="1000" dirty="0" smtClean="0">
+                <a:latin typeface="Courier New" pitchFamily="49" charset="0"/>
+                <a:cs typeface="Courier New" pitchFamily="49" charset="0"/>
+              </a:rPr>
+              <a:t>0</a:t>
+            </a:r>
+          </a:p>
+          <a:p>
+            <a:r>
+              <a:rPr lang="en-US" sz="1000" dirty="0" smtClean="0">
+                <a:latin typeface="Courier New" pitchFamily="49" charset="0"/>
+                <a:cs typeface="Courier New" pitchFamily="49" charset="0"/>
+              </a:rPr>
+              <a:t>books</a:t>
+            </a:r>
+            <a:r>
+              <a:rPr lang="en-US" sz="1000" dirty="0" smtClean="0">
+                <a:latin typeface="Courier New" pitchFamily="49" charset="0"/>
+                <a:cs typeface="Courier New" pitchFamily="49" charset="0"/>
+              </a:rPr>
+              <a:t>		</a:t>
+            </a:r>
+            <a:r>
+              <a:rPr lang="en-US" sz="1000" dirty="0" smtClean="0">
+                <a:latin typeface="Courier New" pitchFamily="49" charset="0"/>
+                <a:cs typeface="Courier New" pitchFamily="49" charset="0"/>
+              </a:rPr>
+              <a:t>3100        1</a:t>
+            </a:r>
+          </a:p>
+          <a:p>
+            <a:r>
+              <a:rPr lang="en-US" sz="1000" dirty="0" err="1" smtClean="0">
+                <a:latin typeface="Courier New" pitchFamily="49" charset="0"/>
+                <a:cs typeface="Courier New" pitchFamily="49" charset="0"/>
+              </a:rPr>
+              <a:t>elec</a:t>
+            </a:r>
+            <a:r>
+              <a:rPr lang="en-US" sz="1000" dirty="0" smtClean="0">
+                <a:latin typeface="Courier New" pitchFamily="49" charset="0"/>
+                <a:cs typeface="Courier New" pitchFamily="49" charset="0"/>
+              </a:rPr>
+              <a:t>             	</a:t>
+            </a:r>
+            <a:r>
+              <a:rPr lang="en-US" sz="1000" dirty="0" smtClean="0">
+                <a:latin typeface="Courier New" pitchFamily="49" charset="0"/>
+                <a:cs typeface="Courier New" pitchFamily="49" charset="0"/>
+              </a:rPr>
+              <a:t>3500        1</a:t>
+            </a:r>
+          </a:p>
+          <a:p>
+            <a:r>
+              <a:rPr lang="en-US" sz="1000" dirty="0" smtClean="0">
+                <a:latin typeface="Courier New" pitchFamily="49" charset="0"/>
+                <a:cs typeface="Courier New" pitchFamily="49" charset="0"/>
+              </a:rPr>
+              <a:t>                        6600        3</a:t>
+            </a:r>
+          </a:p>
+        </p:txBody>
+      </p:sp>
+      <p:sp>
+        <p:nvSpPr>
+          <p:cNvPr id="12" name="Right Arrow 11"/>
+          <p:cNvSpPr/>
+          <p:nvPr/>
+        </p:nvSpPr>
+        <p:spPr bwMode="auto">
+          <a:xfrm>
+            <a:off x="2608727" y="2241174"/>
+            <a:ext cx="663389" cy="403412"/>
+          </a:xfrm>
+          <a:prstGeom prst="rightArrow">
+            <a:avLst/>
+          </a:prstGeom>
+          <a:solidFill>
+            <a:schemeClr val="accent1"/>
+          </a:solidFill>
+          <a:ln w="9525" cap="flat" cmpd="sng" algn="ctr">
+            <a:solidFill>
+              <a:schemeClr val="tx1"/>
+            </a:solidFill>
+            <a:prstDash val="solid"/>
+            <a:round/>
+            <a:headEnd type="none" w="med" len="med"/>
+            <a:tailEnd type="none" w="med" len="med"/>
+          </a:ln>
+          <a:effectLst/>
+        </p:spPr>
+        <p:txBody>
+          <a:bodyPr vert="horz" wrap="square" lIns="91440" tIns="45720" rIns="91440" bIns="45720" numCol="1" rtlCol="0" anchor="t" anchorCtr="0" compatLnSpc="1">
+            <a:prstTxWarp prst="textNoShape">
+              <a:avLst/>
+            </a:prstTxWarp>
+          </a:bodyPr>
+          <a:lstStyle/>
+          <a:p>
+            <a:pPr marL="0" marR="0" indent="0" algn="l" defTabSz="914400" rtl="0" eaLnBrk="0" fontAlgn="base" latinLnBrk="0" hangingPunct="0">
+              <a:lnSpc>
+                <a:spcPct val="100000"/>
+              </a:lnSpc>
+              <a:spcBef>
+                <a:spcPct val="0"/>
+              </a:spcBef>
+              <a:spcAft>
+                <a:spcPct val="0"/>
+              </a:spcAft>
+              <a:buClrTx/>
+              <a:buSzTx/>
+              <a:buFontTx/>
+              <a:buNone/>
+              <a:tabLst/>
+            </a:pPr>
+            <a:endParaRPr kumimoji="0" lang="en-US" sz="2400" b="0" i="0" u="none" strike="noStrike" cap="none" normalizeH="0" baseline="0">
+              <a:ln>
+                <a:noFill/>
+              </a:ln>
+              <a:solidFill>
+                <a:schemeClr val="tx1"/>
+              </a:solidFill>
+              <a:effectLst/>
+              <a:latin typeface="Arial" pitchFamily="-106" charset="0"/>
+              <a:ea typeface="ＭＳ Ｐゴシック" pitchFamily="-106" charset="-128"/>
+              <a:cs typeface="ＭＳ Ｐゴシック" pitchFamily="-106" charset="-128"/>
+            </a:endParaRPr>
+          </a:p>
+        </p:txBody>
+      </p:sp>
+      <p:sp>
+        <p:nvSpPr>
+          <p:cNvPr id="13" name="Right Arrow 12"/>
+          <p:cNvSpPr/>
+          <p:nvPr/>
+        </p:nvSpPr>
+        <p:spPr bwMode="auto">
+          <a:xfrm>
+            <a:off x="4912660" y="2214282"/>
+            <a:ext cx="663389" cy="403412"/>
+          </a:xfrm>
+          <a:prstGeom prst="rightArrow">
+            <a:avLst/>
+          </a:prstGeom>
+          <a:solidFill>
+            <a:schemeClr val="accent1"/>
+          </a:solidFill>
+          <a:ln w="9525" cap="flat" cmpd="sng" algn="ctr">
+            <a:solidFill>
+              <a:schemeClr val="tx1"/>
+            </a:solidFill>
+            <a:prstDash val="solid"/>
+            <a:round/>
+            <a:headEnd type="none" w="med" len="med"/>
+            <a:tailEnd type="none" w="med" len="med"/>
+          </a:ln>
+          <a:effectLst/>
+        </p:spPr>
+        <p:txBody>
+          <a:bodyPr vert="horz" wrap="square" lIns="91440" tIns="45720" rIns="91440" bIns="45720" numCol="1" rtlCol="0" anchor="t" anchorCtr="0" compatLnSpc="1">
+            <a:prstTxWarp prst="textNoShape">
+              <a:avLst/>
+            </a:prstTxWarp>
+          </a:bodyPr>
+          <a:lstStyle/>
+          <a:p>
+            <a:pPr marL="0" marR="0" indent="0" algn="l" defTabSz="914400" rtl="0" eaLnBrk="0" fontAlgn="base" latinLnBrk="0" hangingPunct="0">
+              <a:lnSpc>
+                <a:spcPct val="100000"/>
+              </a:lnSpc>
+              <a:spcBef>
+                <a:spcPct val="0"/>
+              </a:spcBef>
+              <a:spcAft>
+                <a:spcPct val="0"/>
+              </a:spcAft>
+              <a:buClrTx/>
+              <a:buSzTx/>
+              <a:buFontTx/>
+              <a:buNone/>
+              <a:tabLst/>
+            </a:pPr>
+            <a:endParaRPr kumimoji="0" lang="en-US" sz="2400" b="0" i="0" u="none" strike="noStrike" cap="none" normalizeH="0" baseline="0">
+              <a:ln>
+                <a:noFill/>
+              </a:ln>
+              <a:solidFill>
+                <a:schemeClr val="tx1"/>
+              </a:solidFill>
+              <a:effectLst/>
+              <a:latin typeface="Arial" pitchFamily="-106" charset="0"/>
+              <a:ea typeface="ＭＳ Ｐゴシック" pitchFamily="-106" charset="-128"/>
+              <a:cs typeface="ＭＳ Ｐゴシック" pitchFamily="-106" charset="-128"/>
+            </a:endParaRPr>
+          </a:p>
+        </p:txBody>
+      </p:sp>
+      <p:sp>
+        <p:nvSpPr>
+          <p:cNvPr id="14" name="Right Arrow 13"/>
+          <p:cNvSpPr/>
+          <p:nvPr/>
+        </p:nvSpPr>
+        <p:spPr bwMode="auto">
+          <a:xfrm rot="7126726">
+            <a:off x="5916708" y="4356845"/>
+            <a:ext cx="663389" cy="403412"/>
+          </a:xfrm>
+          <a:prstGeom prst="rightArrow">
+            <a:avLst/>
+          </a:prstGeom>
+          <a:solidFill>
+            <a:schemeClr val="accent1"/>
+          </a:solidFill>
+          <a:ln w="9525" cap="flat" cmpd="sng" algn="ctr">
+            <a:solidFill>
+              <a:schemeClr val="tx1"/>
+            </a:solidFill>
+            <a:prstDash val="solid"/>
+            <a:round/>
+            <a:headEnd type="none" w="med" len="med"/>
+            <a:tailEnd type="none" w="med" len="med"/>
+          </a:ln>
+          <a:effectLst/>
+        </p:spPr>
+        <p:txBody>
+          <a:bodyPr vert="horz" wrap="square" lIns="91440" tIns="45720" rIns="91440" bIns="45720" numCol="1" rtlCol="0" anchor="t" anchorCtr="0" compatLnSpc="1">
+            <a:prstTxWarp prst="textNoShape">
+              <a:avLst/>
+            </a:prstTxWarp>
+          </a:bodyPr>
+          <a:lstStyle/>
+          <a:p>
+            <a:pPr marL="0" marR="0" indent="0" algn="l" defTabSz="914400" rtl="0" eaLnBrk="0" fontAlgn="base" latinLnBrk="0" hangingPunct="0">
+              <a:lnSpc>
+                <a:spcPct val="100000"/>
+              </a:lnSpc>
+              <a:spcBef>
+                <a:spcPct val="0"/>
+              </a:spcBef>
+              <a:spcAft>
+                <a:spcPct val="0"/>
+              </a:spcAft>
+              <a:buClrTx/>
+              <a:buSzTx/>
+              <a:buFontTx/>
+              <a:buNone/>
+              <a:tabLst/>
+            </a:pPr>
+            <a:endParaRPr kumimoji="0" lang="en-US" sz="2400" b="0" i="0" u="none" strike="noStrike" cap="none" normalizeH="0" baseline="0">
+              <a:ln>
+                <a:noFill/>
+              </a:ln>
+              <a:solidFill>
+                <a:schemeClr val="tx1"/>
+              </a:solidFill>
+              <a:effectLst/>
+              <a:latin typeface="Arial" pitchFamily="-106" charset="0"/>
+              <a:ea typeface="ＭＳ Ｐゴシック" pitchFamily="-106" charset="-128"/>
+              <a:cs typeface="ＭＳ Ｐゴシック" pitchFamily="-106" charset="-128"/>
+            </a:endParaRPr>
+          </a:p>
+        </p:txBody>
+      </p:sp>
+      <p:sp>
+        <p:nvSpPr>
+          <p:cNvPr id="15" name="Right Arrow 14"/>
+          <p:cNvSpPr/>
+          <p:nvPr/>
+        </p:nvSpPr>
+        <p:spPr bwMode="auto">
+          <a:xfrm rot="12803690">
+            <a:off x="3899649" y="4455455"/>
+            <a:ext cx="663389" cy="403412"/>
+          </a:xfrm>
+          <a:prstGeom prst="rightArrow">
+            <a:avLst/>
+          </a:prstGeom>
+          <a:solidFill>
+            <a:schemeClr val="accent1"/>
+          </a:solidFill>
+          <a:ln w="9525" cap="flat" cmpd="sng" algn="ctr">
+            <a:solidFill>
+              <a:schemeClr val="tx1"/>
+            </a:solidFill>
+            <a:prstDash val="solid"/>
+            <a:round/>
+            <a:headEnd type="none" w="med" len="med"/>
+            <a:tailEnd type="none" w="med" len="med"/>
+          </a:ln>
+          <a:effectLst/>
+        </p:spPr>
+        <p:txBody>
+          <a:bodyPr vert="horz" wrap="square" lIns="91440" tIns="45720" rIns="91440" bIns="45720" numCol="1" rtlCol="0" anchor="t" anchorCtr="0" compatLnSpc="1">
+            <a:prstTxWarp prst="textNoShape">
+              <a:avLst/>
+            </a:prstTxWarp>
+          </a:bodyPr>
+          <a:lstStyle/>
+          <a:p>
+            <a:pPr marL="0" marR="0" indent="0" algn="l" defTabSz="914400" rtl="0" eaLnBrk="0" fontAlgn="base" latinLnBrk="0" hangingPunct="0">
+              <a:lnSpc>
+                <a:spcPct val="100000"/>
+              </a:lnSpc>
+              <a:spcBef>
+                <a:spcPct val="0"/>
+              </a:spcBef>
+              <a:spcAft>
+                <a:spcPct val="0"/>
+              </a:spcAft>
+              <a:buClrTx/>
+              <a:buSzTx/>
+              <a:buFontTx/>
+              <a:buNone/>
+              <a:tabLst/>
+            </a:pPr>
+            <a:endParaRPr kumimoji="0" lang="en-US" sz="2400" b="0" i="0" u="none" strike="noStrike" cap="none" normalizeH="0" baseline="0">
+              <a:ln>
+                <a:noFill/>
+              </a:ln>
+              <a:solidFill>
+                <a:schemeClr val="tx1"/>
+              </a:solidFill>
+              <a:effectLst/>
+              <a:latin typeface="Arial" pitchFamily="-106" charset="0"/>
+              <a:ea typeface="ＭＳ Ｐゴシック" pitchFamily="-106" charset="-128"/>
+              <a:cs typeface="ＭＳ Ｐゴシック" pitchFamily="-106" charset="-128"/>
+            </a:endParaRPr>
+          </a:p>
+        </p:txBody>
+      </p:sp>
+      <p:sp>
+        <p:nvSpPr>
+          <p:cNvPr id="16" name="Rectangle 15"/>
+          <p:cNvSpPr/>
+          <p:nvPr/>
+        </p:nvSpPr>
+        <p:spPr>
+          <a:xfrm>
+            <a:off x="143434" y="6228400"/>
+            <a:ext cx="8713695" cy="584775"/>
+          </a:xfrm>
+          <a:prstGeom prst="rect">
+            <a:avLst/>
+          </a:prstGeom>
+        </p:spPr>
+        <p:txBody>
+          <a:bodyPr wrap="square">
+            <a:spAutoFit/>
+          </a:bodyPr>
+          <a:lstStyle/>
+          <a:p>
+            <a:r>
+              <a:rPr lang="en-US" sz="1200" i="1" dirty="0" smtClean="0"/>
+              <a:t>More Examples </a:t>
+            </a:r>
+            <a:r>
+              <a:rPr lang="en-US" sz="1200" i="1" dirty="0" smtClean="0"/>
+              <a:t>in: </a:t>
+            </a:r>
+            <a:r>
+              <a:rPr lang="en-US" sz="1200" i="1" dirty="0" err="1" smtClean="0"/>
+              <a:t>Vertica</a:t>
+            </a:r>
+            <a:r>
+              <a:rPr lang="en-US" sz="1200" i="1" dirty="0" smtClean="0"/>
+              <a:t>-Extension-Packages/</a:t>
+            </a:r>
+            <a:r>
+              <a:rPr lang="en-US" sz="1200" i="1" dirty="0" err="1" smtClean="0"/>
+              <a:t>compatlib</a:t>
+            </a:r>
+            <a:r>
+              <a:rPr lang="en-US" sz="1200" i="1" dirty="0" smtClean="0"/>
+              <a:t>-functions/examples/group_generator.sql</a:t>
+            </a:r>
+            <a:r>
+              <a:rPr lang="en-US" sz="2000" i="1" dirty="0" smtClean="0"/>
+              <a:t/>
+            </a:r>
+            <a:br>
+              <a:rPr lang="en-US" sz="2000" i="1" dirty="0" smtClean="0"/>
+            </a:br>
+            <a:endParaRPr lang="en-US" sz="2000" i="1" dirty="0" smtClean="0"/>
           </a:p>
         </p:txBody>
       </p:sp>
